--- a/2. Variables.pptx
+++ b/2. Variables.pptx
@@ -137,6 +137,11 @@
           </p15:clr>
         </p15:guide>
         <p15:guide id="4" pos="5112" userDrawn="1">
+          <p15:clr>
+            <a:srgbClr val="F26B43"/>
+          </p15:clr>
+        </p15:guide>
+        <p15:guide id="5" orient="horz" pos="3768" userDrawn="1">
           <p15:clr>
             <a:srgbClr val="F26B43"/>
           </p15:clr>
@@ -3451,7 +3456,7 @@
         <p:spPr>
           <a:xfrm>
             <a:off x="4153962" y="3238977"/>
-            <a:ext cx="4387098" cy="369332"/>
+            <a:ext cx="1414875" cy="369332"/>
           </a:xfrm>
           <a:prstGeom prst="rect">
             <a:avLst/>
@@ -3466,7 +3471,7 @@
           <a:p>
             <a:r>
               <a:rPr lang="en-US" b="1" dirty="0"/>
-              <a:t>AUTHOR, TRAINER AND PROUD DEVELOPER</a:t>
+              <a:t>INSTRUCTOR</a:t>
             </a:r>
           </a:p>
         </p:txBody>
@@ -3800,7 +3805,7 @@
                                     <p:cond delay="1000"/>
                                   </p:stCondLst>
                                   <p:childTnLst>
-                                    <p:animMotion origin="layout" path="M -2.91667E-6 -4.07407E-6 L -0.13307 0.37593 " pathEditMode="relative" rAng="0" ptsTypes="AA">
+                                    <p:animMotion origin="layout" path="M 2.08333E-6 -4.07407E-6 L -0.09089 0.37315 " pathEditMode="relative" rAng="0" ptsTypes="AA">
                                       <p:cBhvr>
                                         <p:cTn id="21" dur="2000" fill="hold"/>
                                         <p:tgtEl>
@@ -3811,7 +3816,7 @@
                                           <p:attrName>ppt_y</p:attrName>
                                         </p:attrNameLst>
                                       </p:cBhvr>
-                                      <p:rCtr x="-6654" y="18796"/>
+                                      <p:rCtr x="-4544" y="18657"/>
                                     </p:animMotion>
                                   </p:childTnLst>
                                 </p:cTn>
@@ -7594,8 +7599,8 @@
           </a:p>
         </p:txBody>
       </p:sp>
-      <mc:AlternateContent xmlns:mc="http://schemas.openxmlformats.org/markup-compatibility/2006">
-        <mc:Choice xmlns:a14="http://schemas.microsoft.com/office/drawing/2010/main" Requires="a14">
+      <mc:AlternateContent xmlns:mc="http://schemas.openxmlformats.org/markup-compatibility/2006" xmlns:a14="http://schemas.microsoft.com/office/drawing/2010/main">
+        <mc:Choice Requires="a14">
           <p:sp>
             <p:nvSpPr>
               <p:cNvPr id="6" name="TextBox 5">
@@ -7659,7 +7664,7 @@
             </p:txBody>
           </p:sp>
         </mc:Choice>
-        <mc:Fallback>
+        <mc:Fallback xmlns="">
           <p:sp>
             <p:nvSpPr>
               <p:cNvPr id="6" name="TextBox 5">
@@ -7704,8 +7709,8 @@
           </p:sp>
         </mc:Fallback>
       </mc:AlternateContent>
-      <mc:AlternateContent xmlns:mc="http://schemas.openxmlformats.org/markup-compatibility/2006">
-        <mc:Choice xmlns:a14="http://schemas.microsoft.com/office/drawing/2010/main" Requires="a14">
+      <mc:AlternateContent xmlns:mc="http://schemas.openxmlformats.org/markup-compatibility/2006" xmlns:a14="http://schemas.microsoft.com/office/drawing/2010/main">
+        <mc:Choice Requires="a14">
           <p:sp>
             <p:nvSpPr>
               <p:cNvPr id="7" name="TextBox 6">
@@ -7786,7 +7791,7 @@
             </p:txBody>
           </p:sp>
         </mc:Choice>
-        <mc:Fallback>
+        <mc:Fallback xmlns="">
           <p:sp>
             <p:nvSpPr>
               <p:cNvPr id="7" name="TextBox 6">
@@ -7831,8 +7836,8 @@
           </p:sp>
         </mc:Fallback>
       </mc:AlternateContent>
-      <mc:AlternateContent xmlns:mc="http://schemas.openxmlformats.org/markup-compatibility/2006">
-        <mc:Choice xmlns:a14="http://schemas.microsoft.com/office/drawing/2010/main" Requires="a14">
+      <mc:AlternateContent xmlns:mc="http://schemas.openxmlformats.org/markup-compatibility/2006" xmlns:a14="http://schemas.microsoft.com/office/drawing/2010/main">
+        <mc:Choice Requires="a14">
           <p:sp>
             <p:nvSpPr>
               <p:cNvPr id="8" name="TextBox 7">
@@ -7903,7 +7908,7 @@
             </p:txBody>
           </p:sp>
         </mc:Choice>
-        <mc:Fallback>
+        <mc:Fallback xmlns="">
           <p:sp>
             <p:nvSpPr>
               <p:cNvPr id="8" name="TextBox 7">

--- a/2. Variables.pptx
+++ b/2. Variables.pptx
@@ -12,14 +12,15 @@
     <p:sldId id="266" r:id="rId6"/>
     <p:sldId id="267" r:id="rId7"/>
     <p:sldId id="268" r:id="rId8"/>
-    <p:sldId id="269" r:id="rId9"/>
-    <p:sldId id="271" r:id="rId10"/>
+    <p:sldId id="271" r:id="rId9"/>
+    <p:sldId id="269" r:id="rId10"/>
     <p:sldId id="270" r:id="rId11"/>
     <p:sldId id="272" r:id="rId12"/>
     <p:sldId id="273" r:id="rId13"/>
     <p:sldId id="274" r:id="rId14"/>
     <p:sldId id="275" r:id="rId15"/>
     <p:sldId id="276" r:id="rId16"/>
+    <p:sldId id="277" r:id="rId17"/>
   </p:sldIdLst>
   <p:sldSz cx="12192000" cy="6858000"/>
   <p:notesSz cx="6858000" cy="9144000"/>
@@ -299,7 +300,7 @@
           <a:p>
             <a:fld id="{F31D93F7-D765-46CF-9ED7-783E7BCB2F3F}" type="datetimeFigureOut">
               <a:rPr lang="en-US" smtClean="0"/>
-              <a:t>4/20/2022</a:t>
+              <a:t>4/21/2022</a:t>
             </a:fld>
             <a:endParaRPr lang="en-US"/>
           </a:p>
@@ -497,7 +498,7 @@
           <a:p>
             <a:fld id="{F31D93F7-D765-46CF-9ED7-783E7BCB2F3F}" type="datetimeFigureOut">
               <a:rPr lang="en-US" smtClean="0"/>
-              <a:t>4/20/2022</a:t>
+              <a:t>4/21/2022</a:t>
             </a:fld>
             <a:endParaRPr lang="en-US"/>
           </a:p>
@@ -705,7 +706,7 @@
           <a:p>
             <a:fld id="{F31D93F7-D765-46CF-9ED7-783E7BCB2F3F}" type="datetimeFigureOut">
               <a:rPr lang="en-US" smtClean="0"/>
-              <a:t>4/20/2022</a:t>
+              <a:t>4/21/2022</a:t>
             </a:fld>
             <a:endParaRPr lang="en-US"/>
           </a:p>
@@ -903,7 +904,7 @@
           <a:p>
             <a:fld id="{F31D93F7-D765-46CF-9ED7-783E7BCB2F3F}" type="datetimeFigureOut">
               <a:rPr lang="en-US" smtClean="0"/>
-              <a:t>4/20/2022</a:t>
+              <a:t>4/21/2022</a:t>
             </a:fld>
             <a:endParaRPr lang="en-US"/>
           </a:p>
@@ -1178,7 +1179,7 @@
           <a:p>
             <a:fld id="{F31D93F7-D765-46CF-9ED7-783E7BCB2F3F}" type="datetimeFigureOut">
               <a:rPr lang="en-US" smtClean="0"/>
-              <a:t>4/20/2022</a:t>
+              <a:t>4/21/2022</a:t>
             </a:fld>
             <a:endParaRPr lang="en-US"/>
           </a:p>
@@ -1443,7 +1444,7 @@
           <a:p>
             <a:fld id="{F31D93F7-D765-46CF-9ED7-783E7BCB2F3F}" type="datetimeFigureOut">
               <a:rPr lang="en-US" smtClean="0"/>
-              <a:t>4/20/2022</a:t>
+              <a:t>4/21/2022</a:t>
             </a:fld>
             <a:endParaRPr lang="en-US"/>
           </a:p>
@@ -1855,7 +1856,7 @@
           <a:p>
             <a:fld id="{F31D93F7-D765-46CF-9ED7-783E7BCB2F3F}" type="datetimeFigureOut">
               <a:rPr lang="en-US" smtClean="0"/>
-              <a:t>4/20/2022</a:t>
+              <a:t>4/21/2022</a:t>
             </a:fld>
             <a:endParaRPr lang="en-US"/>
           </a:p>
@@ -1996,7 +1997,7 @@
           <a:p>
             <a:fld id="{F31D93F7-D765-46CF-9ED7-783E7BCB2F3F}" type="datetimeFigureOut">
               <a:rPr lang="en-US" smtClean="0"/>
-              <a:t>4/20/2022</a:t>
+              <a:t>4/21/2022</a:t>
             </a:fld>
             <a:endParaRPr lang="en-US"/>
           </a:p>
@@ -2109,7 +2110,7 @@
           <a:p>
             <a:fld id="{F31D93F7-D765-46CF-9ED7-783E7BCB2F3F}" type="datetimeFigureOut">
               <a:rPr lang="en-US" smtClean="0"/>
-              <a:t>4/20/2022</a:t>
+              <a:t>4/21/2022</a:t>
             </a:fld>
             <a:endParaRPr lang="en-US"/>
           </a:p>
@@ -2420,7 +2421,7 @@
           <a:p>
             <a:fld id="{F31D93F7-D765-46CF-9ED7-783E7BCB2F3F}" type="datetimeFigureOut">
               <a:rPr lang="en-US" smtClean="0"/>
-              <a:t>4/20/2022</a:t>
+              <a:t>4/21/2022</a:t>
             </a:fld>
             <a:endParaRPr lang="en-US"/>
           </a:p>
@@ -2708,7 +2709,7 @@
           <a:p>
             <a:fld id="{F31D93F7-D765-46CF-9ED7-783E7BCB2F3F}" type="datetimeFigureOut">
               <a:rPr lang="en-US" smtClean="0"/>
-              <a:t>4/20/2022</a:t>
+              <a:t>4/21/2022</a:t>
             </a:fld>
             <a:endParaRPr lang="en-US"/>
           </a:p>
@@ -2949,7 +2950,7 @@
           <a:p>
             <a:fld id="{F31D93F7-D765-46CF-9ED7-783E7BCB2F3F}" type="datetimeFigureOut">
               <a:rPr lang="en-US" smtClean="0"/>
-              <a:t>4/20/2022</a:t>
+              <a:t>4/21/2022</a:t>
             </a:fld>
             <a:endParaRPr lang="en-US"/>
           </a:p>
@@ -5883,6 +5884,258 @@
     <p:extLst>
       <p:ext uri="{BB962C8B-B14F-4D97-AF65-F5344CB8AC3E}">
         <p14:creationId xmlns:p14="http://schemas.microsoft.com/office/powerpoint/2010/main" val="1981643464"/>
+      </p:ext>
+    </p:extLst>
+  </p:cSld>
+  <p:clrMapOvr>
+    <a:masterClrMapping/>
+  </p:clrMapOvr>
+</p:sld>
+</file>
+
+<file path=ppt/slides/slide16.xml><?xml version="1.0" encoding="utf-8"?>
+<p:sld xmlns:a="http://schemas.openxmlformats.org/drawingml/2006/main" xmlns:r="http://schemas.openxmlformats.org/officeDocument/2006/relationships" xmlns:p="http://schemas.openxmlformats.org/presentationml/2006/main">
+  <p:cSld>
+    <p:spTree>
+      <p:nvGrpSpPr>
+        <p:cNvPr id="1" name=""/>
+        <p:cNvGrpSpPr/>
+        <p:nvPr/>
+      </p:nvGrpSpPr>
+      <p:grpSpPr>
+        <a:xfrm>
+          <a:off x="0" y="0"/>
+          <a:ext cx="0" cy="0"/>
+          <a:chOff x="0" y="0"/>
+          <a:chExt cx="0" cy="0"/>
+        </a:xfrm>
+      </p:grpSpPr>
+      <p:sp>
+        <p:nvSpPr>
+          <p:cNvPr id="2" name="TextBox 1">
+            <a:extLst>
+              <a:ext uri="{FF2B5EF4-FFF2-40B4-BE49-F238E27FC236}">
+                <a16:creationId xmlns:a16="http://schemas.microsoft.com/office/drawing/2014/main" id="{0B35D728-FEA5-4D10-9FA5-122A3DFDF4E9}"/>
+              </a:ext>
+            </a:extLst>
+          </p:cNvPr>
+          <p:cNvSpPr txBox="1"/>
+          <p:nvPr/>
+        </p:nvSpPr>
+        <p:spPr>
+          <a:xfrm>
+            <a:off x="5172510" y="144782"/>
+            <a:ext cx="1321196" cy="430887"/>
+          </a:xfrm>
+          <a:prstGeom prst="rect">
+            <a:avLst/>
+          </a:prstGeom>
+          <a:noFill/>
+        </p:spPr>
+        <p:txBody>
+          <a:bodyPr wrap="none" rtlCol="0">
+            <a:spAutoFit/>
+          </a:bodyPr>
+          <a:lstStyle/>
+          <a:p>
+            <a:r>
+              <a:rPr lang="en-US" sz="2200" b="1" dirty="0">
+                <a:solidFill>
+                  <a:srgbClr val="FF9000"/>
+                </a:solidFill>
+                <a:latin typeface="Montserrat" panose="00000500000000000000" pitchFamily="2" charset="0"/>
+              </a:rPr>
+              <a:t>Activity</a:t>
+            </a:r>
+          </a:p>
+        </p:txBody>
+      </p:sp>
+      <p:pic>
+        <p:nvPicPr>
+          <p:cNvPr id="4" name="Picture 3">
+            <a:extLst>
+              <a:ext uri="{FF2B5EF4-FFF2-40B4-BE49-F238E27FC236}">
+                <a16:creationId xmlns:a16="http://schemas.microsoft.com/office/drawing/2014/main" id="{51C9EBDC-0EB8-45DA-9FC3-98C3EB2230FF}"/>
+              </a:ext>
+            </a:extLst>
+          </p:cNvPr>
+          <p:cNvPicPr>
+            <a:picLocks noChangeAspect="1"/>
+          </p:cNvPicPr>
+          <p:nvPr/>
+        </p:nvPicPr>
+        <p:blipFill>
+          <a:blip r:embed="rId2">
+            <a:extLst>
+              <a:ext uri="{28A0092B-C50C-407E-A947-70E740481C1C}">
+                <a14:useLocalDpi xmlns:a14="http://schemas.microsoft.com/office/drawing/2010/main" val="0"/>
+              </a:ext>
+            </a:extLst>
+          </a:blip>
+          <a:stretch>
+            <a:fillRect/>
+          </a:stretch>
+        </p:blipFill>
+        <p:spPr>
+          <a:xfrm>
+            <a:off x="276730" y="276730"/>
+            <a:ext cx="430887" cy="430887"/>
+          </a:xfrm>
+          <a:prstGeom prst="rect">
+            <a:avLst/>
+          </a:prstGeom>
+        </p:spPr>
+      </p:pic>
+      <p:pic>
+        <p:nvPicPr>
+          <p:cNvPr id="5" name="Picture 4">
+            <a:extLst>
+              <a:ext uri="{FF2B5EF4-FFF2-40B4-BE49-F238E27FC236}">
+                <a16:creationId xmlns:a16="http://schemas.microsoft.com/office/drawing/2014/main" id="{013F46FA-D79B-4876-8DDD-943390651EE6}"/>
+              </a:ext>
+            </a:extLst>
+          </p:cNvPr>
+          <p:cNvPicPr>
+            <a:picLocks noChangeAspect="1"/>
+          </p:cNvPicPr>
+          <p:nvPr/>
+        </p:nvPicPr>
+        <p:blipFill>
+          <a:blip r:embed="rId2">
+            <a:extLst>
+              <a:ext uri="{28A0092B-C50C-407E-A947-70E740481C1C}">
+                <a14:useLocalDpi xmlns:a14="http://schemas.microsoft.com/office/drawing/2010/main" val="0"/>
+              </a:ext>
+            </a:extLst>
+          </a:blip>
+          <a:stretch>
+            <a:fillRect/>
+          </a:stretch>
+        </p:blipFill>
+        <p:spPr>
+          <a:xfrm>
+            <a:off x="11541996" y="6207996"/>
+            <a:ext cx="369786" cy="369786"/>
+          </a:xfrm>
+          <a:prstGeom prst="rect">
+            <a:avLst/>
+          </a:prstGeom>
+        </p:spPr>
+      </p:pic>
+      <p:sp>
+        <p:nvSpPr>
+          <p:cNvPr id="6" name="TextBox 5">
+            <a:extLst>
+              <a:ext uri="{FF2B5EF4-FFF2-40B4-BE49-F238E27FC236}">
+                <a16:creationId xmlns:a16="http://schemas.microsoft.com/office/drawing/2014/main" id="{078B58A5-039F-4D10-A008-8AE209FA8D83}"/>
+              </a:ext>
+            </a:extLst>
+          </p:cNvPr>
+          <p:cNvSpPr txBox="1"/>
+          <p:nvPr/>
+        </p:nvSpPr>
+        <p:spPr>
+          <a:xfrm>
+            <a:off x="661220" y="1784555"/>
+            <a:ext cx="10869560" cy="2906693"/>
+          </a:xfrm>
+          <a:prstGeom prst="rect">
+            <a:avLst/>
+          </a:prstGeom>
+          <a:noFill/>
+        </p:spPr>
+        <p:txBody>
+          <a:bodyPr wrap="square" rtlCol="0">
+            <a:spAutoFit/>
+          </a:bodyPr>
+          <a:lstStyle/>
+          <a:p>
+            <a:pPr algn="ctr">
+              <a:lnSpc>
+                <a:spcPct val="200000"/>
+              </a:lnSpc>
+            </a:pPr>
+            <a:r>
+              <a:rPr lang="en-US" sz="3200" dirty="0">
+                <a:latin typeface="open sans" panose="020B0606030504020204" pitchFamily="34" charset="0"/>
+                <a:ea typeface="open sans" panose="020B0606030504020204" pitchFamily="34" charset="0"/>
+                <a:cs typeface="open sans" panose="020B0606030504020204" pitchFamily="34" charset="0"/>
+              </a:rPr>
+              <a:t>Write 10 variable names under each of the datatypes that we have learnt so far. </a:t>
+            </a:r>
+          </a:p>
+          <a:p>
+            <a:pPr algn="ctr">
+              <a:lnSpc>
+                <a:spcPct val="200000"/>
+              </a:lnSpc>
+            </a:pPr>
+            <a:endParaRPr lang="en-US" sz="3200" dirty="0">
+              <a:latin typeface="open sans" panose="020B0606030504020204" pitchFamily="34" charset="0"/>
+              <a:ea typeface="open sans" panose="020B0606030504020204" pitchFamily="34" charset="0"/>
+              <a:cs typeface="open sans" panose="020B0606030504020204" pitchFamily="34" charset="0"/>
+            </a:endParaRPr>
+          </a:p>
+        </p:txBody>
+      </p:sp>
+      <p:sp>
+        <p:nvSpPr>
+          <p:cNvPr id="3" name="TextBox 2">
+            <a:extLst>
+              <a:ext uri="{FF2B5EF4-FFF2-40B4-BE49-F238E27FC236}">
+                <a16:creationId xmlns:a16="http://schemas.microsoft.com/office/drawing/2014/main" id="{873F191D-6411-48A4-906D-5706B06A685E}"/>
+              </a:ext>
+            </a:extLst>
+          </p:cNvPr>
+          <p:cNvSpPr txBox="1"/>
+          <p:nvPr/>
+        </p:nvSpPr>
+        <p:spPr>
+          <a:xfrm>
+            <a:off x="707617" y="5658534"/>
+            <a:ext cx="7738400" cy="646331"/>
+          </a:xfrm>
+          <a:prstGeom prst="rect">
+            <a:avLst/>
+          </a:prstGeom>
+          <a:noFill/>
+        </p:spPr>
+        <p:txBody>
+          <a:bodyPr wrap="none" rtlCol="0">
+            <a:spAutoFit/>
+          </a:bodyPr>
+          <a:lstStyle/>
+          <a:p>
+            <a:r>
+              <a:rPr lang="en-US" b="1" dirty="0">
+                <a:solidFill>
+                  <a:srgbClr val="FF0000"/>
+                </a:solidFill>
+              </a:rPr>
+              <a:t>NB: </a:t>
+            </a:r>
+            <a:r>
+              <a:rPr lang="en-US" sz="1800" b="1" dirty="0">
+                <a:latin typeface="open sans" panose="020B0606030504020204" pitchFamily="34" charset="0"/>
+                <a:ea typeface="open sans" panose="020B0606030504020204" pitchFamily="34" charset="0"/>
+                <a:cs typeface="open sans" panose="020B0606030504020204" pitchFamily="34" charset="0"/>
+              </a:rPr>
+              <a:t>Make sure each of your variable names given rules in the slide</a:t>
+            </a:r>
+          </a:p>
+          <a:p>
+            <a:endParaRPr lang="en-US" b="1" dirty="0">
+              <a:solidFill>
+                <a:srgbClr val="FF0000"/>
+              </a:solidFill>
+            </a:endParaRPr>
+          </a:p>
+        </p:txBody>
+      </p:sp>
+    </p:spTree>
+    <p:extLst>
+      <p:ext uri="{BB962C8B-B14F-4D97-AF65-F5344CB8AC3E}">
+        <p14:creationId xmlns:p14="http://schemas.microsoft.com/office/powerpoint/2010/main" val="313063146"/>
       </p:ext>
     </p:extLst>
   </p:cSld>
@@ -9747,6 +10000,533 @@
           <p:cNvPr id="2" name="TextBox 1">
             <a:extLst>
               <a:ext uri="{FF2B5EF4-FFF2-40B4-BE49-F238E27FC236}">
+                <a16:creationId xmlns:a16="http://schemas.microsoft.com/office/drawing/2014/main" id="{CC8C90D8-2C87-4638-8F61-A03A8675C380}"/>
+              </a:ext>
+            </a:extLst>
+          </p:cNvPr>
+          <p:cNvSpPr txBox="1"/>
+          <p:nvPr/>
+        </p:nvSpPr>
+        <p:spPr>
+          <a:xfrm>
+            <a:off x="4760538" y="189026"/>
+            <a:ext cx="2670924" cy="430887"/>
+          </a:xfrm>
+          <a:prstGeom prst="rect">
+            <a:avLst/>
+          </a:prstGeom>
+          <a:noFill/>
+        </p:spPr>
+        <p:txBody>
+          <a:bodyPr wrap="none" rtlCol="0">
+            <a:spAutoFit/>
+          </a:bodyPr>
+          <a:lstStyle/>
+          <a:p>
+            <a:r>
+              <a:rPr lang="en-US" sz="2200" b="1" dirty="0">
+                <a:solidFill>
+                  <a:srgbClr val="FF9000"/>
+                </a:solidFill>
+                <a:latin typeface="Montserrat" panose="00000500000000000000" pitchFamily="2" charset="0"/>
+              </a:rPr>
+              <a:t>Naming Formats</a:t>
+            </a:r>
+          </a:p>
+        </p:txBody>
+      </p:sp>
+      <p:sp>
+        <p:nvSpPr>
+          <p:cNvPr id="3" name="Rectangle 2">
+            <a:extLst>
+              <a:ext uri="{FF2B5EF4-FFF2-40B4-BE49-F238E27FC236}">
+                <a16:creationId xmlns:a16="http://schemas.microsoft.com/office/drawing/2014/main" id="{8F9FB506-BA30-42A0-BFB9-4225A57BFE61}"/>
+              </a:ext>
+            </a:extLst>
+          </p:cNvPr>
+          <p:cNvSpPr/>
+          <p:nvPr/>
+        </p:nvSpPr>
+        <p:spPr>
+          <a:xfrm>
+            <a:off x="735793" y="1179391"/>
+            <a:ext cx="5309419" cy="2249609"/>
+          </a:xfrm>
+          <a:prstGeom prst="rect">
+            <a:avLst/>
+          </a:prstGeom>
+          <a:solidFill>
+            <a:srgbClr val="FFC000"/>
+          </a:solidFill>
+        </p:spPr>
+        <p:style>
+          <a:lnRef idx="2">
+            <a:schemeClr val="accent1">
+              <a:shade val="50000"/>
+            </a:schemeClr>
+          </a:lnRef>
+          <a:fillRef idx="1">
+            <a:schemeClr val="accent1"/>
+          </a:fillRef>
+          <a:effectRef idx="0">
+            <a:schemeClr val="accent1"/>
+          </a:effectRef>
+          <a:fontRef idx="minor">
+            <a:schemeClr val="lt1"/>
+          </a:fontRef>
+        </p:style>
+        <p:txBody>
+          <a:bodyPr rtlCol="0" anchor="ctr"/>
+          <a:lstStyle/>
+          <a:p>
+            <a:pPr algn="ctr"/>
+            <a:r>
+              <a:rPr lang="en-US" dirty="0">
+                <a:ln w="0"/>
+                <a:solidFill>
+                  <a:schemeClr val="tx1"/>
+                </a:solidFill>
+                <a:effectLst>
+                  <a:outerShdw blurRad="38100" dist="19050" dir="2700000" algn="tl" rotWithShape="0">
+                    <a:schemeClr val="dk1">
+                      <a:alpha val="40000"/>
+                    </a:schemeClr>
+                  </a:outerShdw>
+                </a:effectLst>
+              </a:rPr>
+              <a:t>Camel Casing</a:t>
+            </a:r>
+          </a:p>
+          <a:p>
+            <a:pPr algn="ctr"/>
+            <a:endParaRPr lang="en-US" dirty="0">
+              <a:ln w="0"/>
+              <a:solidFill>
+                <a:schemeClr val="tx1"/>
+              </a:solidFill>
+              <a:effectLst>
+                <a:outerShdw blurRad="38100" dist="19050" dir="2700000" algn="tl" rotWithShape="0">
+                  <a:schemeClr val="dk1">
+                    <a:alpha val="40000"/>
+                  </a:schemeClr>
+                </a:outerShdw>
+              </a:effectLst>
+            </a:endParaRPr>
+          </a:p>
+          <a:p>
+            <a:pPr algn="ctr"/>
+            <a:r>
+              <a:rPr lang="en-US" dirty="0">
+                <a:ln w="0"/>
+                <a:solidFill>
+                  <a:schemeClr val="tx1"/>
+                </a:solidFill>
+                <a:effectLst>
+                  <a:outerShdw blurRad="38100" dist="19050" dir="2700000" algn="tl" rotWithShape="0">
+                    <a:schemeClr val="dk1">
+                      <a:alpha val="40000"/>
+                    </a:schemeClr>
+                  </a:outerShdw>
+                </a:effectLst>
+              </a:rPr>
+              <a:t>E.g. nameOfStudent</a:t>
+            </a:r>
+            <a:endParaRPr lang="en-US" dirty="0">
+              <a:ln w="0"/>
+              <a:solidFill>
+                <a:schemeClr val="tx1"/>
+              </a:solidFill>
+            </a:endParaRPr>
+          </a:p>
+        </p:txBody>
+      </p:sp>
+      <p:sp>
+        <p:nvSpPr>
+          <p:cNvPr id="4" name="Rectangle 3">
+            <a:extLst>
+              <a:ext uri="{FF2B5EF4-FFF2-40B4-BE49-F238E27FC236}">
+                <a16:creationId xmlns:a16="http://schemas.microsoft.com/office/drawing/2014/main" id="{81FE5F07-CD6C-41BF-B046-4896DB37675F}"/>
+              </a:ext>
+            </a:extLst>
+          </p:cNvPr>
+          <p:cNvSpPr/>
+          <p:nvPr/>
+        </p:nvSpPr>
+        <p:spPr>
+          <a:xfrm>
+            <a:off x="6584473" y="1197586"/>
+            <a:ext cx="5309419" cy="2249608"/>
+          </a:xfrm>
+          <a:prstGeom prst="rect">
+            <a:avLst/>
+          </a:prstGeom>
+          <a:solidFill>
+            <a:srgbClr val="7030A0"/>
+          </a:solidFill>
+        </p:spPr>
+        <p:style>
+          <a:lnRef idx="2">
+            <a:schemeClr val="accent1">
+              <a:shade val="50000"/>
+            </a:schemeClr>
+          </a:lnRef>
+          <a:fillRef idx="1">
+            <a:schemeClr val="accent1"/>
+          </a:fillRef>
+          <a:effectRef idx="0">
+            <a:schemeClr val="accent1"/>
+          </a:effectRef>
+          <a:fontRef idx="minor">
+            <a:schemeClr val="lt1"/>
+          </a:fontRef>
+        </p:style>
+        <p:txBody>
+          <a:bodyPr rtlCol="0" anchor="ctr"/>
+          <a:lstStyle/>
+          <a:p>
+            <a:pPr algn="ctr"/>
+            <a:r>
+              <a:rPr lang="en-US" b="1" dirty="0"/>
+              <a:t>Pascal Casing</a:t>
+            </a:r>
+          </a:p>
+          <a:p>
+            <a:pPr algn="ctr"/>
+            <a:r>
+              <a:rPr lang="en-US" b="1" dirty="0"/>
+              <a:t>E.g. NameOfStudent</a:t>
+            </a:r>
+          </a:p>
+        </p:txBody>
+      </p:sp>
+      <p:sp>
+        <p:nvSpPr>
+          <p:cNvPr id="5" name="Rectangle 4">
+            <a:extLst>
+              <a:ext uri="{FF2B5EF4-FFF2-40B4-BE49-F238E27FC236}">
+                <a16:creationId xmlns:a16="http://schemas.microsoft.com/office/drawing/2014/main" id="{3461DEF4-AAA3-4B65-ABC2-F11E18FA1373}"/>
+              </a:ext>
+            </a:extLst>
+          </p:cNvPr>
+          <p:cNvSpPr/>
+          <p:nvPr/>
+        </p:nvSpPr>
+        <p:spPr>
+          <a:xfrm>
+            <a:off x="3390503" y="4085304"/>
+            <a:ext cx="5309419" cy="2249610"/>
+          </a:xfrm>
+          <a:prstGeom prst="rect">
+            <a:avLst/>
+          </a:prstGeom>
+          <a:solidFill>
+            <a:schemeClr val="accent2">
+              <a:lumMod val="50000"/>
+            </a:schemeClr>
+          </a:solidFill>
+        </p:spPr>
+        <p:style>
+          <a:lnRef idx="2">
+            <a:schemeClr val="accent1">
+              <a:shade val="50000"/>
+            </a:schemeClr>
+          </a:lnRef>
+          <a:fillRef idx="1">
+            <a:schemeClr val="accent1"/>
+          </a:fillRef>
+          <a:effectRef idx="0">
+            <a:schemeClr val="accent1"/>
+          </a:effectRef>
+          <a:fontRef idx="minor">
+            <a:schemeClr val="lt1"/>
+          </a:fontRef>
+        </p:style>
+        <p:txBody>
+          <a:bodyPr rtlCol="0" anchor="ctr"/>
+          <a:lstStyle/>
+          <a:p>
+            <a:pPr algn="ctr"/>
+            <a:r>
+              <a:rPr lang="en-US" b="1" dirty="0"/>
+              <a:t>Snake Casing</a:t>
+            </a:r>
+          </a:p>
+          <a:p>
+            <a:pPr algn="ctr"/>
+            <a:r>
+              <a:rPr lang="en-US" b="1" dirty="0"/>
+              <a:t>E.g. name_of_student</a:t>
+            </a:r>
+          </a:p>
+        </p:txBody>
+      </p:sp>
+    </p:spTree>
+    <p:extLst>
+      <p:ext uri="{BB962C8B-B14F-4D97-AF65-F5344CB8AC3E}">
+        <p14:creationId xmlns:p14="http://schemas.microsoft.com/office/powerpoint/2010/main" val="2834692742"/>
+      </p:ext>
+    </p:extLst>
+  </p:cSld>
+  <p:clrMapOvr>
+    <a:masterClrMapping/>
+  </p:clrMapOvr>
+  <p:timing>
+    <p:tnLst>
+      <p:par>
+        <p:cTn id="1" dur="indefinite" restart="never" nodeType="tmRoot">
+          <p:childTnLst>
+            <p:seq concurrent="1" nextAc="seek">
+              <p:cTn id="2" dur="indefinite" nodeType="mainSeq">
+                <p:childTnLst>
+                  <p:par>
+                    <p:cTn id="3" fill="hold">
+                      <p:stCondLst>
+                        <p:cond delay="indefinite"/>
+                      </p:stCondLst>
+                      <p:childTnLst>
+                        <p:par>
+                          <p:cTn id="4" fill="hold">
+                            <p:stCondLst>
+                              <p:cond delay="0"/>
+                            </p:stCondLst>
+                            <p:childTnLst>
+                              <p:par>
+                                <p:cTn id="5" presetID="2" presetClass="entr" presetSubtype="4" fill="hold" grpId="0" nodeType="clickEffect">
+                                  <p:stCondLst>
+                                    <p:cond delay="0"/>
+                                  </p:stCondLst>
+                                  <p:childTnLst>
+                                    <p:set>
+                                      <p:cBhvr>
+                                        <p:cTn id="6" dur="1" fill="hold">
+                                          <p:stCondLst>
+                                            <p:cond delay="0"/>
+                                          </p:stCondLst>
+                                        </p:cTn>
+                                        <p:tgtEl>
+                                          <p:spTgt spid="3"/>
+                                        </p:tgtEl>
+                                        <p:attrNameLst>
+                                          <p:attrName>style.visibility</p:attrName>
+                                        </p:attrNameLst>
+                                      </p:cBhvr>
+                                      <p:to>
+                                        <p:strVal val="visible"/>
+                                      </p:to>
+                                    </p:set>
+                                    <p:anim calcmode="lin" valueType="num">
+                                      <p:cBhvr additive="base">
+                                        <p:cTn id="7" dur="500" fill="hold"/>
+                                        <p:tgtEl>
+                                          <p:spTgt spid="3"/>
+                                        </p:tgtEl>
+                                        <p:attrNameLst>
+                                          <p:attrName>ppt_x</p:attrName>
+                                        </p:attrNameLst>
+                                      </p:cBhvr>
+                                      <p:tavLst>
+                                        <p:tav tm="0">
+                                          <p:val>
+                                            <p:strVal val="#ppt_x"/>
+                                          </p:val>
+                                        </p:tav>
+                                        <p:tav tm="100000">
+                                          <p:val>
+                                            <p:strVal val="#ppt_x"/>
+                                          </p:val>
+                                        </p:tav>
+                                      </p:tavLst>
+                                    </p:anim>
+                                    <p:anim calcmode="lin" valueType="num">
+                                      <p:cBhvr additive="base">
+                                        <p:cTn id="8" dur="500" fill="hold"/>
+                                        <p:tgtEl>
+                                          <p:spTgt spid="3"/>
+                                        </p:tgtEl>
+                                        <p:attrNameLst>
+                                          <p:attrName>ppt_y</p:attrName>
+                                        </p:attrNameLst>
+                                      </p:cBhvr>
+                                      <p:tavLst>
+                                        <p:tav tm="0">
+                                          <p:val>
+                                            <p:strVal val="1+#ppt_h/2"/>
+                                          </p:val>
+                                        </p:tav>
+                                        <p:tav tm="100000">
+                                          <p:val>
+                                            <p:strVal val="#ppt_y"/>
+                                          </p:val>
+                                        </p:tav>
+                                      </p:tavLst>
+                                    </p:anim>
+                                  </p:childTnLst>
+                                </p:cTn>
+                              </p:par>
+                            </p:childTnLst>
+                          </p:cTn>
+                        </p:par>
+                      </p:childTnLst>
+                    </p:cTn>
+                  </p:par>
+                  <p:par>
+                    <p:cTn id="9" fill="hold">
+                      <p:stCondLst>
+                        <p:cond delay="indefinite"/>
+                      </p:stCondLst>
+                      <p:childTnLst>
+                        <p:par>
+                          <p:cTn id="10" fill="hold">
+                            <p:stCondLst>
+                              <p:cond delay="0"/>
+                            </p:stCondLst>
+                            <p:childTnLst>
+                              <p:par>
+                                <p:cTn id="11" presetID="16" presetClass="entr" presetSubtype="21" fill="hold" grpId="0" nodeType="clickEffect">
+                                  <p:stCondLst>
+                                    <p:cond delay="0"/>
+                                  </p:stCondLst>
+                                  <p:childTnLst>
+                                    <p:set>
+                                      <p:cBhvr>
+                                        <p:cTn id="12" dur="1" fill="hold">
+                                          <p:stCondLst>
+                                            <p:cond delay="0"/>
+                                          </p:stCondLst>
+                                        </p:cTn>
+                                        <p:tgtEl>
+                                          <p:spTgt spid="4"/>
+                                        </p:tgtEl>
+                                        <p:attrNameLst>
+                                          <p:attrName>style.visibility</p:attrName>
+                                        </p:attrNameLst>
+                                      </p:cBhvr>
+                                      <p:to>
+                                        <p:strVal val="visible"/>
+                                      </p:to>
+                                    </p:set>
+                                    <p:animEffect transition="in" filter="barn(inVertical)">
+                                      <p:cBhvr>
+                                        <p:cTn id="13" dur="500"/>
+                                        <p:tgtEl>
+                                          <p:spTgt spid="4"/>
+                                        </p:tgtEl>
+                                      </p:cBhvr>
+                                    </p:animEffect>
+                                  </p:childTnLst>
+                                </p:cTn>
+                              </p:par>
+                            </p:childTnLst>
+                          </p:cTn>
+                        </p:par>
+                      </p:childTnLst>
+                    </p:cTn>
+                  </p:par>
+                  <p:par>
+                    <p:cTn id="14" fill="hold">
+                      <p:stCondLst>
+                        <p:cond delay="indefinite"/>
+                      </p:stCondLst>
+                      <p:childTnLst>
+                        <p:par>
+                          <p:cTn id="15" fill="hold">
+                            <p:stCondLst>
+                              <p:cond delay="0"/>
+                            </p:stCondLst>
+                            <p:childTnLst>
+                              <p:par>
+                                <p:cTn id="16" presetID="10" presetClass="entr" presetSubtype="0" fill="hold" grpId="0" nodeType="clickEffect">
+                                  <p:stCondLst>
+                                    <p:cond delay="0"/>
+                                  </p:stCondLst>
+                                  <p:childTnLst>
+                                    <p:set>
+                                      <p:cBhvr>
+                                        <p:cTn id="17" dur="1" fill="hold">
+                                          <p:stCondLst>
+                                            <p:cond delay="0"/>
+                                          </p:stCondLst>
+                                        </p:cTn>
+                                        <p:tgtEl>
+                                          <p:spTgt spid="5"/>
+                                        </p:tgtEl>
+                                        <p:attrNameLst>
+                                          <p:attrName>style.visibility</p:attrName>
+                                        </p:attrNameLst>
+                                      </p:cBhvr>
+                                      <p:to>
+                                        <p:strVal val="visible"/>
+                                      </p:to>
+                                    </p:set>
+                                    <p:animEffect transition="in" filter="fade">
+                                      <p:cBhvr>
+                                        <p:cTn id="18" dur="500"/>
+                                        <p:tgtEl>
+                                          <p:spTgt spid="5"/>
+                                        </p:tgtEl>
+                                      </p:cBhvr>
+                                    </p:animEffect>
+                                  </p:childTnLst>
+                                </p:cTn>
+                              </p:par>
+                            </p:childTnLst>
+                          </p:cTn>
+                        </p:par>
+                      </p:childTnLst>
+                    </p:cTn>
+                  </p:par>
+                </p:childTnLst>
+              </p:cTn>
+              <p:prevCondLst>
+                <p:cond evt="onPrev" delay="0">
+                  <p:tgtEl>
+                    <p:sldTgt/>
+                  </p:tgtEl>
+                </p:cond>
+              </p:prevCondLst>
+              <p:nextCondLst>
+                <p:cond evt="onNext" delay="0">
+                  <p:tgtEl>
+                    <p:sldTgt/>
+                  </p:tgtEl>
+                </p:cond>
+              </p:nextCondLst>
+            </p:seq>
+          </p:childTnLst>
+        </p:cTn>
+      </p:par>
+    </p:tnLst>
+    <p:bldLst>
+      <p:bldP spid="3" grpId="0" animBg="1"/>
+      <p:bldP spid="4" grpId="0" animBg="1"/>
+      <p:bldP spid="5" grpId="0" animBg="1"/>
+    </p:bldLst>
+  </p:timing>
+</p:sld>
+</file>
+
+<file path=ppt/slides/slide9.xml><?xml version="1.0" encoding="utf-8"?>
+<p:sld xmlns:a="http://schemas.openxmlformats.org/drawingml/2006/main" xmlns:r="http://schemas.openxmlformats.org/officeDocument/2006/relationships" xmlns:p="http://schemas.openxmlformats.org/presentationml/2006/main">
+  <p:cSld>
+    <p:spTree>
+      <p:nvGrpSpPr>
+        <p:cNvPr id="1" name=""/>
+        <p:cNvGrpSpPr/>
+        <p:nvPr/>
+      </p:nvGrpSpPr>
+      <p:grpSpPr>
+        <a:xfrm>
+          <a:off x="0" y="0"/>
+          <a:ext cx="0" cy="0"/>
+          <a:chOff x="0" y="0"/>
+          <a:chExt cx="0" cy="0"/>
+        </a:xfrm>
+      </p:grpSpPr>
+      <p:sp>
+        <p:nvSpPr>
+          <p:cNvPr id="2" name="TextBox 1">
+            <a:extLst>
+              <a:ext uri="{FF2B5EF4-FFF2-40B4-BE49-F238E27FC236}">
                 <a16:creationId xmlns:a16="http://schemas.microsoft.com/office/drawing/2014/main" id="{6CCA3D38-20F6-4742-A204-EB6CB3696FC3}"/>
               </a:ext>
             </a:extLst>
@@ -11242,549 +12022,6 @@
         </p:cTn>
       </p:par>
     </p:tnLst>
-  </p:timing>
-</p:sld>
-</file>
-
-<file path=ppt/slides/slide9.xml><?xml version="1.0" encoding="utf-8"?>
-<p:sld xmlns:a="http://schemas.openxmlformats.org/drawingml/2006/main" xmlns:r="http://schemas.openxmlformats.org/officeDocument/2006/relationships" xmlns:p="http://schemas.openxmlformats.org/presentationml/2006/main">
-  <p:cSld>
-    <p:spTree>
-      <p:nvGrpSpPr>
-        <p:cNvPr id="1" name=""/>
-        <p:cNvGrpSpPr/>
-        <p:nvPr/>
-      </p:nvGrpSpPr>
-      <p:grpSpPr>
-        <a:xfrm>
-          <a:off x="0" y="0"/>
-          <a:ext cx="0" cy="0"/>
-          <a:chOff x="0" y="0"/>
-          <a:chExt cx="0" cy="0"/>
-        </a:xfrm>
-      </p:grpSpPr>
-      <p:sp>
-        <p:nvSpPr>
-          <p:cNvPr id="2" name="TextBox 1">
-            <a:extLst>
-              <a:ext uri="{FF2B5EF4-FFF2-40B4-BE49-F238E27FC236}">
-                <a16:creationId xmlns:a16="http://schemas.microsoft.com/office/drawing/2014/main" id="{CC8C90D8-2C87-4638-8F61-A03A8675C380}"/>
-              </a:ext>
-            </a:extLst>
-          </p:cNvPr>
-          <p:cNvSpPr txBox="1"/>
-          <p:nvPr/>
-        </p:nvSpPr>
-        <p:spPr>
-          <a:xfrm>
-            <a:off x="4760538" y="189026"/>
-            <a:ext cx="2670924" cy="430887"/>
-          </a:xfrm>
-          <a:prstGeom prst="rect">
-            <a:avLst/>
-          </a:prstGeom>
-          <a:noFill/>
-        </p:spPr>
-        <p:txBody>
-          <a:bodyPr wrap="none" rtlCol="0">
-            <a:spAutoFit/>
-          </a:bodyPr>
-          <a:lstStyle/>
-          <a:p>
-            <a:r>
-              <a:rPr lang="en-US" sz="2200" b="1" dirty="0">
-                <a:solidFill>
-                  <a:srgbClr val="FF9000"/>
-                </a:solidFill>
-                <a:latin typeface="Montserrat" panose="00000500000000000000" pitchFamily="2" charset="0"/>
-              </a:rPr>
-              <a:t>Naming Formats</a:t>
-            </a:r>
-          </a:p>
-        </p:txBody>
-      </p:sp>
-      <p:sp>
-        <p:nvSpPr>
-          <p:cNvPr id="3" name="Rectangle 2">
-            <a:extLst>
-              <a:ext uri="{FF2B5EF4-FFF2-40B4-BE49-F238E27FC236}">
-                <a16:creationId xmlns:a16="http://schemas.microsoft.com/office/drawing/2014/main" id="{8F9FB506-BA30-42A0-BFB9-4225A57BFE61}"/>
-              </a:ext>
-            </a:extLst>
-          </p:cNvPr>
-          <p:cNvSpPr/>
-          <p:nvPr/>
-        </p:nvSpPr>
-        <p:spPr>
-          <a:xfrm>
-            <a:off x="735793" y="1179391"/>
-            <a:ext cx="5309419" cy="2249609"/>
-          </a:xfrm>
-          <a:prstGeom prst="rect">
-            <a:avLst/>
-          </a:prstGeom>
-          <a:solidFill>
-            <a:srgbClr val="FFC000"/>
-          </a:solidFill>
-        </p:spPr>
-        <p:style>
-          <a:lnRef idx="2">
-            <a:schemeClr val="accent1">
-              <a:shade val="50000"/>
-            </a:schemeClr>
-          </a:lnRef>
-          <a:fillRef idx="1">
-            <a:schemeClr val="accent1"/>
-          </a:fillRef>
-          <a:effectRef idx="0">
-            <a:schemeClr val="accent1"/>
-          </a:effectRef>
-          <a:fontRef idx="minor">
-            <a:schemeClr val="lt1"/>
-          </a:fontRef>
-        </p:style>
-        <p:txBody>
-          <a:bodyPr rtlCol="0" anchor="ctr"/>
-          <a:lstStyle/>
-          <a:p>
-            <a:pPr algn="ctr"/>
-            <a:r>
-              <a:rPr lang="en-US" dirty="0">
-                <a:ln w="0"/>
-                <a:solidFill>
-                  <a:schemeClr val="tx1"/>
-                </a:solidFill>
-                <a:effectLst>
-                  <a:outerShdw blurRad="38100" dist="19050" dir="2700000" algn="tl" rotWithShape="0">
-                    <a:schemeClr val="dk1">
-                      <a:alpha val="40000"/>
-                    </a:schemeClr>
-                  </a:outerShdw>
-                </a:effectLst>
-              </a:rPr>
-              <a:t>Camel Casing</a:t>
-            </a:r>
-          </a:p>
-          <a:p>
-            <a:pPr algn="ctr"/>
-            <a:endParaRPr lang="en-US" dirty="0">
-              <a:ln w="0"/>
-              <a:solidFill>
-                <a:schemeClr val="tx1"/>
-              </a:solidFill>
-              <a:effectLst>
-                <a:outerShdw blurRad="38100" dist="19050" dir="2700000" algn="tl" rotWithShape="0">
-                  <a:schemeClr val="dk1">
-                    <a:alpha val="40000"/>
-                  </a:schemeClr>
-                </a:outerShdw>
-              </a:effectLst>
-            </a:endParaRPr>
-          </a:p>
-          <a:p>
-            <a:pPr algn="ctr"/>
-            <a:r>
-              <a:rPr lang="en-US" dirty="0">
-                <a:ln w="0"/>
-                <a:solidFill>
-                  <a:schemeClr val="tx1"/>
-                </a:solidFill>
-                <a:effectLst>
-                  <a:outerShdw blurRad="38100" dist="19050" dir="2700000" algn="tl" rotWithShape="0">
-                    <a:schemeClr val="dk1">
-                      <a:alpha val="40000"/>
-                    </a:schemeClr>
-                  </a:outerShdw>
-                </a:effectLst>
-              </a:rPr>
-              <a:t>E.g. </a:t>
-            </a:r>
-            <a:r>
-              <a:rPr lang="en-US" dirty="0" err="1">
-                <a:ln w="0"/>
-                <a:solidFill>
-                  <a:schemeClr val="tx1"/>
-                </a:solidFill>
-                <a:effectLst>
-                  <a:outerShdw blurRad="38100" dist="19050" dir="2700000" algn="tl" rotWithShape="0">
-                    <a:schemeClr val="dk1">
-                      <a:alpha val="40000"/>
-                    </a:schemeClr>
-                  </a:outerShdw>
-                </a:effectLst>
-              </a:rPr>
-              <a:t>nameOfStudent</a:t>
-            </a:r>
-            <a:endParaRPr lang="en-US" dirty="0">
-              <a:ln w="0"/>
-              <a:solidFill>
-                <a:schemeClr val="tx1"/>
-              </a:solidFill>
-            </a:endParaRPr>
-          </a:p>
-        </p:txBody>
-      </p:sp>
-      <p:sp>
-        <p:nvSpPr>
-          <p:cNvPr id="4" name="Rectangle 3">
-            <a:extLst>
-              <a:ext uri="{FF2B5EF4-FFF2-40B4-BE49-F238E27FC236}">
-                <a16:creationId xmlns:a16="http://schemas.microsoft.com/office/drawing/2014/main" id="{81FE5F07-CD6C-41BF-B046-4896DB37675F}"/>
-              </a:ext>
-            </a:extLst>
-          </p:cNvPr>
-          <p:cNvSpPr/>
-          <p:nvPr/>
-        </p:nvSpPr>
-        <p:spPr>
-          <a:xfrm>
-            <a:off x="6584473" y="1197586"/>
-            <a:ext cx="5309419" cy="2249608"/>
-          </a:xfrm>
-          <a:prstGeom prst="rect">
-            <a:avLst/>
-          </a:prstGeom>
-          <a:solidFill>
-            <a:srgbClr val="7030A0"/>
-          </a:solidFill>
-        </p:spPr>
-        <p:style>
-          <a:lnRef idx="2">
-            <a:schemeClr val="accent1">
-              <a:shade val="50000"/>
-            </a:schemeClr>
-          </a:lnRef>
-          <a:fillRef idx="1">
-            <a:schemeClr val="accent1"/>
-          </a:fillRef>
-          <a:effectRef idx="0">
-            <a:schemeClr val="accent1"/>
-          </a:effectRef>
-          <a:fontRef idx="minor">
-            <a:schemeClr val="lt1"/>
-          </a:fontRef>
-        </p:style>
-        <p:txBody>
-          <a:bodyPr rtlCol="0" anchor="ctr"/>
-          <a:lstStyle/>
-          <a:p>
-            <a:pPr algn="ctr"/>
-            <a:r>
-              <a:rPr lang="en-US" b="1" dirty="0"/>
-              <a:t>Pascal Casing</a:t>
-            </a:r>
-          </a:p>
-          <a:p>
-            <a:pPr algn="ctr"/>
-            <a:r>
-              <a:rPr lang="en-US" b="1" dirty="0"/>
-              <a:t>E.g. NameOfStudent</a:t>
-            </a:r>
-          </a:p>
-        </p:txBody>
-      </p:sp>
-      <p:sp>
-        <p:nvSpPr>
-          <p:cNvPr id="5" name="Rectangle 4">
-            <a:extLst>
-              <a:ext uri="{FF2B5EF4-FFF2-40B4-BE49-F238E27FC236}">
-                <a16:creationId xmlns:a16="http://schemas.microsoft.com/office/drawing/2014/main" id="{3461DEF4-AAA3-4B65-ABC2-F11E18FA1373}"/>
-              </a:ext>
-            </a:extLst>
-          </p:cNvPr>
-          <p:cNvSpPr/>
-          <p:nvPr/>
-        </p:nvSpPr>
-        <p:spPr>
-          <a:xfrm>
-            <a:off x="3390503" y="4085304"/>
-            <a:ext cx="5309419" cy="2249610"/>
-          </a:xfrm>
-          <a:prstGeom prst="rect">
-            <a:avLst/>
-          </a:prstGeom>
-          <a:solidFill>
-            <a:schemeClr val="accent2">
-              <a:lumMod val="50000"/>
-            </a:schemeClr>
-          </a:solidFill>
-        </p:spPr>
-        <p:style>
-          <a:lnRef idx="2">
-            <a:schemeClr val="accent1">
-              <a:shade val="50000"/>
-            </a:schemeClr>
-          </a:lnRef>
-          <a:fillRef idx="1">
-            <a:schemeClr val="accent1"/>
-          </a:fillRef>
-          <a:effectRef idx="0">
-            <a:schemeClr val="accent1"/>
-          </a:effectRef>
-          <a:fontRef idx="minor">
-            <a:schemeClr val="lt1"/>
-          </a:fontRef>
-        </p:style>
-        <p:txBody>
-          <a:bodyPr rtlCol="0" anchor="ctr"/>
-          <a:lstStyle/>
-          <a:p>
-            <a:pPr algn="ctr"/>
-            <a:r>
-              <a:rPr lang="en-US" b="1" dirty="0"/>
-              <a:t>Snake Casing</a:t>
-            </a:r>
-          </a:p>
-          <a:p>
-            <a:pPr algn="ctr"/>
-            <a:r>
-              <a:rPr lang="en-US" b="1" dirty="0"/>
-              <a:t>E.g. name_of_student</a:t>
-            </a:r>
-          </a:p>
-        </p:txBody>
-      </p:sp>
-    </p:spTree>
-    <p:extLst>
-      <p:ext uri="{BB962C8B-B14F-4D97-AF65-F5344CB8AC3E}">
-        <p14:creationId xmlns:p14="http://schemas.microsoft.com/office/powerpoint/2010/main" val="2834692742"/>
-      </p:ext>
-    </p:extLst>
-  </p:cSld>
-  <p:clrMapOvr>
-    <a:masterClrMapping/>
-  </p:clrMapOvr>
-  <p:timing>
-    <p:tnLst>
-      <p:par>
-        <p:cTn id="1" dur="indefinite" restart="never" nodeType="tmRoot">
-          <p:childTnLst>
-            <p:seq concurrent="1" nextAc="seek">
-              <p:cTn id="2" dur="indefinite" nodeType="mainSeq">
-                <p:childTnLst>
-                  <p:par>
-                    <p:cTn id="3" fill="hold">
-                      <p:stCondLst>
-                        <p:cond delay="indefinite"/>
-                      </p:stCondLst>
-                      <p:childTnLst>
-                        <p:par>
-                          <p:cTn id="4" fill="hold">
-                            <p:stCondLst>
-                              <p:cond delay="0"/>
-                            </p:stCondLst>
-                            <p:childTnLst>
-                              <p:par>
-                                <p:cTn id="5" presetID="2" presetClass="entr" presetSubtype="4" fill="hold" grpId="0" nodeType="clickEffect">
-                                  <p:stCondLst>
-                                    <p:cond delay="0"/>
-                                  </p:stCondLst>
-                                  <p:childTnLst>
-                                    <p:set>
-                                      <p:cBhvr>
-                                        <p:cTn id="6" dur="1" fill="hold">
-                                          <p:stCondLst>
-                                            <p:cond delay="0"/>
-                                          </p:stCondLst>
-                                        </p:cTn>
-                                        <p:tgtEl>
-                                          <p:spTgt spid="3"/>
-                                        </p:tgtEl>
-                                        <p:attrNameLst>
-                                          <p:attrName>style.visibility</p:attrName>
-                                        </p:attrNameLst>
-                                      </p:cBhvr>
-                                      <p:to>
-                                        <p:strVal val="visible"/>
-                                      </p:to>
-                                    </p:set>
-                                    <p:anim calcmode="lin" valueType="num">
-                                      <p:cBhvr additive="base">
-                                        <p:cTn id="7" dur="500" fill="hold"/>
-                                        <p:tgtEl>
-                                          <p:spTgt spid="3"/>
-                                        </p:tgtEl>
-                                        <p:attrNameLst>
-                                          <p:attrName>ppt_x</p:attrName>
-                                        </p:attrNameLst>
-                                      </p:cBhvr>
-                                      <p:tavLst>
-                                        <p:tav tm="0">
-                                          <p:val>
-                                            <p:strVal val="#ppt_x"/>
-                                          </p:val>
-                                        </p:tav>
-                                        <p:tav tm="100000">
-                                          <p:val>
-                                            <p:strVal val="#ppt_x"/>
-                                          </p:val>
-                                        </p:tav>
-                                      </p:tavLst>
-                                    </p:anim>
-                                    <p:anim calcmode="lin" valueType="num">
-                                      <p:cBhvr additive="base">
-                                        <p:cTn id="8" dur="500" fill="hold"/>
-                                        <p:tgtEl>
-                                          <p:spTgt spid="3"/>
-                                        </p:tgtEl>
-                                        <p:attrNameLst>
-                                          <p:attrName>ppt_y</p:attrName>
-                                        </p:attrNameLst>
-                                      </p:cBhvr>
-                                      <p:tavLst>
-                                        <p:tav tm="0">
-                                          <p:val>
-                                            <p:strVal val="1+#ppt_h/2"/>
-                                          </p:val>
-                                        </p:tav>
-                                        <p:tav tm="100000">
-                                          <p:val>
-                                            <p:strVal val="#ppt_y"/>
-                                          </p:val>
-                                        </p:tav>
-                                      </p:tavLst>
-                                    </p:anim>
-                                  </p:childTnLst>
-                                </p:cTn>
-                              </p:par>
-                            </p:childTnLst>
-                          </p:cTn>
-                        </p:par>
-                      </p:childTnLst>
-                    </p:cTn>
-                  </p:par>
-                  <p:par>
-                    <p:cTn id="9" fill="hold">
-                      <p:stCondLst>
-                        <p:cond delay="indefinite"/>
-                      </p:stCondLst>
-                      <p:childTnLst>
-                        <p:par>
-                          <p:cTn id="10" fill="hold">
-                            <p:stCondLst>
-                              <p:cond delay="0"/>
-                            </p:stCondLst>
-                            <p:childTnLst>
-                              <p:par>
-                                <p:cTn id="11" presetID="16" presetClass="entr" presetSubtype="21" fill="hold" grpId="0" nodeType="clickEffect">
-                                  <p:stCondLst>
-                                    <p:cond delay="0"/>
-                                  </p:stCondLst>
-                                  <p:childTnLst>
-                                    <p:set>
-                                      <p:cBhvr>
-                                        <p:cTn id="12" dur="1" fill="hold">
-                                          <p:stCondLst>
-                                            <p:cond delay="0"/>
-                                          </p:stCondLst>
-                                        </p:cTn>
-                                        <p:tgtEl>
-                                          <p:spTgt spid="4"/>
-                                        </p:tgtEl>
-                                        <p:attrNameLst>
-                                          <p:attrName>style.visibility</p:attrName>
-                                        </p:attrNameLst>
-                                      </p:cBhvr>
-                                      <p:to>
-                                        <p:strVal val="visible"/>
-                                      </p:to>
-                                    </p:set>
-                                    <p:animEffect transition="in" filter="barn(inVertical)">
-                                      <p:cBhvr>
-                                        <p:cTn id="13" dur="500"/>
-                                        <p:tgtEl>
-                                          <p:spTgt spid="4"/>
-                                        </p:tgtEl>
-                                      </p:cBhvr>
-                                    </p:animEffect>
-                                  </p:childTnLst>
-                                </p:cTn>
-                              </p:par>
-                            </p:childTnLst>
-                          </p:cTn>
-                        </p:par>
-                      </p:childTnLst>
-                    </p:cTn>
-                  </p:par>
-                  <p:par>
-                    <p:cTn id="14" fill="hold">
-                      <p:stCondLst>
-                        <p:cond delay="indefinite"/>
-                      </p:stCondLst>
-                      <p:childTnLst>
-                        <p:par>
-                          <p:cTn id="15" fill="hold">
-                            <p:stCondLst>
-                              <p:cond delay="0"/>
-                            </p:stCondLst>
-                            <p:childTnLst>
-                              <p:par>
-                                <p:cTn id="16" presetID="10" presetClass="entr" presetSubtype="0" fill="hold" grpId="0" nodeType="clickEffect">
-                                  <p:stCondLst>
-                                    <p:cond delay="0"/>
-                                  </p:stCondLst>
-                                  <p:childTnLst>
-                                    <p:set>
-                                      <p:cBhvr>
-                                        <p:cTn id="17" dur="1" fill="hold">
-                                          <p:stCondLst>
-                                            <p:cond delay="0"/>
-                                          </p:stCondLst>
-                                        </p:cTn>
-                                        <p:tgtEl>
-                                          <p:spTgt spid="5"/>
-                                        </p:tgtEl>
-                                        <p:attrNameLst>
-                                          <p:attrName>style.visibility</p:attrName>
-                                        </p:attrNameLst>
-                                      </p:cBhvr>
-                                      <p:to>
-                                        <p:strVal val="visible"/>
-                                      </p:to>
-                                    </p:set>
-                                    <p:animEffect transition="in" filter="fade">
-                                      <p:cBhvr>
-                                        <p:cTn id="18" dur="500"/>
-                                        <p:tgtEl>
-                                          <p:spTgt spid="5"/>
-                                        </p:tgtEl>
-                                      </p:cBhvr>
-                                    </p:animEffect>
-                                  </p:childTnLst>
-                                </p:cTn>
-                              </p:par>
-                            </p:childTnLst>
-                          </p:cTn>
-                        </p:par>
-                      </p:childTnLst>
-                    </p:cTn>
-                  </p:par>
-                </p:childTnLst>
-              </p:cTn>
-              <p:prevCondLst>
-                <p:cond evt="onPrev" delay="0">
-                  <p:tgtEl>
-                    <p:sldTgt/>
-                  </p:tgtEl>
-                </p:cond>
-              </p:prevCondLst>
-              <p:nextCondLst>
-                <p:cond evt="onNext" delay="0">
-                  <p:tgtEl>
-                    <p:sldTgt/>
-                  </p:tgtEl>
-                </p:cond>
-              </p:nextCondLst>
-            </p:seq>
-          </p:childTnLst>
-        </p:cTn>
-      </p:par>
-    </p:tnLst>
-    <p:bldLst>
-      <p:bldP spid="3" grpId="0" animBg="1"/>
-      <p:bldP spid="4" grpId="0" animBg="1"/>
-      <p:bldP spid="5" grpId="0" animBg="1"/>
-    </p:bldLst>
   </p:timing>
 </p:sld>
 </file>

--- a/2. Variables.pptx
+++ b/2. Variables.pptx
@@ -21,6 +21,8 @@
     <p:sldId id="275" r:id="rId15"/>
     <p:sldId id="276" r:id="rId16"/>
     <p:sldId id="277" r:id="rId17"/>
+    <p:sldId id="278" r:id="rId18"/>
+    <p:sldId id="279" r:id="rId19"/>
   </p:sldIdLst>
   <p:sldSz cx="12192000" cy="6858000"/>
   <p:notesSz cx="6858000" cy="9144000"/>
@@ -300,7 +302,7 @@
           <a:p>
             <a:fld id="{F31D93F7-D765-46CF-9ED7-783E7BCB2F3F}" type="datetimeFigureOut">
               <a:rPr lang="en-US" smtClean="0"/>
-              <a:t>4/21/2022</a:t>
+              <a:t>6/26/2022</a:t>
             </a:fld>
             <a:endParaRPr lang="en-US"/>
           </a:p>
@@ -498,7 +500,7 @@
           <a:p>
             <a:fld id="{F31D93F7-D765-46CF-9ED7-783E7BCB2F3F}" type="datetimeFigureOut">
               <a:rPr lang="en-US" smtClean="0"/>
-              <a:t>4/21/2022</a:t>
+              <a:t>6/26/2022</a:t>
             </a:fld>
             <a:endParaRPr lang="en-US"/>
           </a:p>
@@ -706,7 +708,7 @@
           <a:p>
             <a:fld id="{F31D93F7-D765-46CF-9ED7-783E7BCB2F3F}" type="datetimeFigureOut">
               <a:rPr lang="en-US" smtClean="0"/>
-              <a:t>4/21/2022</a:t>
+              <a:t>6/26/2022</a:t>
             </a:fld>
             <a:endParaRPr lang="en-US"/>
           </a:p>
@@ -904,7 +906,7 @@
           <a:p>
             <a:fld id="{F31D93F7-D765-46CF-9ED7-783E7BCB2F3F}" type="datetimeFigureOut">
               <a:rPr lang="en-US" smtClean="0"/>
-              <a:t>4/21/2022</a:t>
+              <a:t>6/26/2022</a:t>
             </a:fld>
             <a:endParaRPr lang="en-US"/>
           </a:p>
@@ -1179,7 +1181,7 @@
           <a:p>
             <a:fld id="{F31D93F7-D765-46CF-9ED7-783E7BCB2F3F}" type="datetimeFigureOut">
               <a:rPr lang="en-US" smtClean="0"/>
-              <a:t>4/21/2022</a:t>
+              <a:t>6/26/2022</a:t>
             </a:fld>
             <a:endParaRPr lang="en-US"/>
           </a:p>
@@ -1444,7 +1446,7 @@
           <a:p>
             <a:fld id="{F31D93F7-D765-46CF-9ED7-783E7BCB2F3F}" type="datetimeFigureOut">
               <a:rPr lang="en-US" smtClean="0"/>
-              <a:t>4/21/2022</a:t>
+              <a:t>6/26/2022</a:t>
             </a:fld>
             <a:endParaRPr lang="en-US"/>
           </a:p>
@@ -1856,7 +1858,7 @@
           <a:p>
             <a:fld id="{F31D93F7-D765-46CF-9ED7-783E7BCB2F3F}" type="datetimeFigureOut">
               <a:rPr lang="en-US" smtClean="0"/>
-              <a:t>4/21/2022</a:t>
+              <a:t>6/26/2022</a:t>
             </a:fld>
             <a:endParaRPr lang="en-US"/>
           </a:p>
@@ -1997,7 +1999,7 @@
           <a:p>
             <a:fld id="{F31D93F7-D765-46CF-9ED7-783E7BCB2F3F}" type="datetimeFigureOut">
               <a:rPr lang="en-US" smtClean="0"/>
-              <a:t>4/21/2022</a:t>
+              <a:t>6/26/2022</a:t>
             </a:fld>
             <a:endParaRPr lang="en-US"/>
           </a:p>
@@ -2110,7 +2112,7 @@
           <a:p>
             <a:fld id="{F31D93F7-D765-46CF-9ED7-783E7BCB2F3F}" type="datetimeFigureOut">
               <a:rPr lang="en-US" smtClean="0"/>
-              <a:t>4/21/2022</a:t>
+              <a:t>6/26/2022</a:t>
             </a:fld>
             <a:endParaRPr lang="en-US"/>
           </a:p>
@@ -2421,7 +2423,7 @@
           <a:p>
             <a:fld id="{F31D93F7-D765-46CF-9ED7-783E7BCB2F3F}" type="datetimeFigureOut">
               <a:rPr lang="en-US" smtClean="0"/>
-              <a:t>4/21/2022</a:t>
+              <a:t>6/26/2022</a:t>
             </a:fld>
             <a:endParaRPr lang="en-US"/>
           </a:p>
@@ -2709,7 +2711,7 @@
           <a:p>
             <a:fld id="{F31D93F7-D765-46CF-9ED7-783E7BCB2F3F}" type="datetimeFigureOut">
               <a:rPr lang="en-US" smtClean="0"/>
-              <a:t>4/21/2022</a:t>
+              <a:t>6/26/2022</a:t>
             </a:fld>
             <a:endParaRPr lang="en-US"/>
           </a:p>
@@ -2950,7 +2952,7 @@
           <a:p>
             <a:fld id="{F31D93F7-D765-46CF-9ED7-783E7BCB2F3F}" type="datetimeFigureOut">
               <a:rPr lang="en-US" smtClean="0"/>
-              <a:t>4/21/2022</a:t>
+              <a:t>6/26/2022</a:t>
             </a:fld>
             <a:endParaRPr lang="en-US"/>
           </a:p>
@@ -6136,6 +6138,641 @@
     <p:extLst>
       <p:ext uri="{BB962C8B-B14F-4D97-AF65-F5344CB8AC3E}">
         <p14:creationId xmlns:p14="http://schemas.microsoft.com/office/powerpoint/2010/main" val="313063146"/>
+      </p:ext>
+    </p:extLst>
+  </p:cSld>
+  <p:clrMapOvr>
+    <a:masterClrMapping/>
+  </p:clrMapOvr>
+</p:sld>
+</file>
+
+<file path=ppt/slides/slide17.xml><?xml version="1.0" encoding="utf-8"?>
+<p:sld xmlns:a="http://schemas.openxmlformats.org/drawingml/2006/main" xmlns:r="http://schemas.openxmlformats.org/officeDocument/2006/relationships" xmlns:p="http://schemas.openxmlformats.org/presentationml/2006/main">
+  <p:cSld>
+    <p:spTree>
+      <p:nvGrpSpPr>
+        <p:cNvPr id="1" name=""/>
+        <p:cNvGrpSpPr/>
+        <p:nvPr/>
+      </p:nvGrpSpPr>
+      <p:grpSpPr>
+        <a:xfrm>
+          <a:off x="0" y="0"/>
+          <a:ext cx="0" cy="0"/>
+          <a:chOff x="0" y="0"/>
+          <a:chExt cx="0" cy="0"/>
+        </a:xfrm>
+      </p:grpSpPr>
+      <p:graphicFrame>
+        <p:nvGraphicFramePr>
+          <p:cNvPr id="2" name="Table 2">
+            <a:extLst>
+              <a:ext uri="{FF2B5EF4-FFF2-40B4-BE49-F238E27FC236}">
+                <a16:creationId xmlns:a16="http://schemas.microsoft.com/office/drawing/2014/main" id="{21446B39-B869-43FF-B144-7175A8DDE4CA}"/>
+              </a:ext>
+            </a:extLst>
+          </p:cNvPr>
+          <p:cNvGraphicFramePr>
+            <a:graphicFrameLocks noGrp="1"/>
+          </p:cNvGraphicFramePr>
+          <p:nvPr>
+            <p:extLst>
+              <p:ext uri="{D42A27DB-BD31-4B8C-83A1-F6EECF244321}">
+                <p14:modId xmlns:p14="http://schemas.microsoft.com/office/powerpoint/2010/main" val="772386047"/>
+              </p:ext>
+            </p:extLst>
+          </p:nvPr>
+        </p:nvGraphicFramePr>
+        <p:xfrm>
+          <a:off x="1905818" y="719668"/>
+          <a:ext cx="8380364" cy="5262032"/>
+        </p:xfrm>
+        <a:graphic>
+          <a:graphicData uri="http://schemas.openxmlformats.org/drawingml/2006/table">
+            <a:tbl>
+              <a:tblPr firstRow="1" bandRow="1">
+                <a:tableStyleId>{00A15C55-8517-42AA-B614-E9B94910E393}</a:tableStyleId>
+              </a:tblPr>
+              <a:tblGrid>
+                <a:gridCol w="2095091">
+                  <a:extLst>
+                    <a:ext uri="{9D8B030D-6E8A-4147-A177-3AD203B41FA5}">
+                      <a16:colId xmlns:a16="http://schemas.microsoft.com/office/drawing/2014/main" val="52949682"/>
+                    </a:ext>
+                  </a:extLst>
+                </a:gridCol>
+                <a:gridCol w="2095091">
+                  <a:extLst>
+                    <a:ext uri="{9D8B030D-6E8A-4147-A177-3AD203B41FA5}">
+                      <a16:colId xmlns:a16="http://schemas.microsoft.com/office/drawing/2014/main" val="3954204550"/>
+                    </a:ext>
+                  </a:extLst>
+                </a:gridCol>
+                <a:gridCol w="2095091">
+                  <a:extLst>
+                    <a:ext uri="{9D8B030D-6E8A-4147-A177-3AD203B41FA5}">
+                      <a16:colId xmlns:a16="http://schemas.microsoft.com/office/drawing/2014/main" val="3825859756"/>
+                    </a:ext>
+                  </a:extLst>
+                </a:gridCol>
+                <a:gridCol w="2095091">
+                  <a:extLst>
+                    <a:ext uri="{9D8B030D-6E8A-4147-A177-3AD203B41FA5}">
+                      <a16:colId xmlns:a16="http://schemas.microsoft.com/office/drawing/2014/main" val="2673033788"/>
+                    </a:ext>
+                  </a:extLst>
+                </a:gridCol>
+              </a:tblGrid>
+              <a:tr h="657754">
+                <a:tc>
+                  <a:txBody>
+                    <a:bodyPr/>
+                    <a:lstStyle/>
+                    <a:p>
+                      <a:pPr algn="ctr"/>
+                      <a:r>
+                        <a:rPr lang="en-US" dirty="0">
+                          <a:solidFill>
+                            <a:schemeClr val="tx1"/>
+                          </a:solidFill>
+                        </a:rPr>
+                        <a:t>NUMBER</a:t>
+                      </a:r>
+                    </a:p>
+                  </a:txBody>
+                  <a:tcPr/>
+                </a:tc>
+                <a:tc>
+                  <a:txBody>
+                    <a:bodyPr/>
+                    <a:lstStyle/>
+                    <a:p>
+                      <a:pPr algn="ctr"/>
+                      <a:r>
+                        <a:rPr lang="en-US" dirty="0">
+                          <a:solidFill>
+                            <a:schemeClr val="tx1"/>
+                          </a:solidFill>
+                        </a:rPr>
+                        <a:t>CHARACTER</a:t>
+                      </a:r>
+                    </a:p>
+                  </a:txBody>
+                  <a:tcPr/>
+                </a:tc>
+                <a:tc>
+                  <a:txBody>
+                    <a:bodyPr/>
+                    <a:lstStyle/>
+                    <a:p>
+                      <a:pPr algn="ctr"/>
+                      <a:r>
+                        <a:rPr lang="en-US" dirty="0">
+                          <a:solidFill>
+                            <a:schemeClr val="tx1"/>
+                          </a:solidFill>
+                        </a:rPr>
+                        <a:t>STRING</a:t>
+                      </a:r>
+                    </a:p>
+                  </a:txBody>
+                  <a:tcPr/>
+                </a:tc>
+                <a:tc>
+                  <a:txBody>
+                    <a:bodyPr/>
+                    <a:lstStyle/>
+                    <a:p>
+                      <a:pPr algn="ctr"/>
+                      <a:r>
+                        <a:rPr lang="en-US" dirty="0">
+                          <a:solidFill>
+                            <a:schemeClr val="tx1"/>
+                          </a:solidFill>
+                        </a:rPr>
+                        <a:t>BOOLEAN</a:t>
+                      </a:r>
+                    </a:p>
+                  </a:txBody>
+                  <a:tcPr/>
+                </a:tc>
+                <a:extLst>
+                  <a:ext uri="{0D108BD9-81ED-4DB2-BD59-A6C34878D82A}">
+                    <a16:rowId xmlns:a16="http://schemas.microsoft.com/office/drawing/2014/main" val="2001190982"/>
+                  </a:ext>
+                </a:extLst>
+              </a:tr>
+              <a:tr h="657754">
+                <a:tc>
+                  <a:txBody>
+                    <a:bodyPr/>
+                    <a:lstStyle/>
+                    <a:p>
+                      <a:pPr algn="ctr"/>
+                      <a:r>
+                        <a:rPr lang="en-US" dirty="0"/>
+                        <a:t>age</a:t>
+                      </a:r>
+                    </a:p>
+                  </a:txBody>
+                  <a:tcPr/>
+                </a:tc>
+                <a:tc>
+                  <a:txBody>
+                    <a:bodyPr/>
+                    <a:lstStyle/>
+                    <a:p>
+                      <a:pPr algn="ctr"/>
+                      <a:r>
+                        <a:rPr lang="en-US" dirty="0" err="1"/>
+                        <a:t>bloodGroup</a:t>
+                      </a:r>
+                      <a:endParaRPr lang="en-US" dirty="0"/>
+                    </a:p>
+                  </a:txBody>
+                  <a:tcPr/>
+                </a:tc>
+                <a:tc>
+                  <a:txBody>
+                    <a:bodyPr/>
+                    <a:lstStyle/>
+                    <a:p>
+                      <a:pPr algn="ctr"/>
+                      <a:r>
+                        <a:rPr lang="en-US" dirty="0" err="1"/>
+                        <a:t>colour_of_shirt</a:t>
+                      </a:r>
+                      <a:endParaRPr lang="en-US" dirty="0"/>
+                    </a:p>
+                  </a:txBody>
+                  <a:tcPr/>
+                </a:tc>
+                <a:tc>
+                  <a:txBody>
+                    <a:bodyPr/>
+                    <a:lstStyle/>
+                    <a:p>
+                      <a:pPr algn="ctr"/>
+                      <a:r>
+                        <a:rPr lang="en-US" dirty="0" err="1"/>
+                        <a:t>hasEaten</a:t>
+                      </a:r>
+                      <a:endParaRPr lang="en-US" dirty="0"/>
+                    </a:p>
+                  </a:txBody>
+                  <a:tcPr/>
+                </a:tc>
+                <a:extLst>
+                  <a:ext uri="{0D108BD9-81ED-4DB2-BD59-A6C34878D82A}">
+                    <a16:rowId xmlns:a16="http://schemas.microsoft.com/office/drawing/2014/main" val="1281591964"/>
+                  </a:ext>
+                </a:extLst>
+              </a:tr>
+              <a:tr h="657754">
+                <a:tc>
+                  <a:txBody>
+                    <a:bodyPr/>
+                    <a:lstStyle/>
+                    <a:p>
+                      <a:pPr algn="ctr"/>
+                      <a:r>
+                        <a:rPr lang="en-US" dirty="0"/>
+                        <a:t>height</a:t>
+                      </a:r>
+                    </a:p>
+                  </a:txBody>
+                  <a:tcPr/>
+                </a:tc>
+                <a:tc>
+                  <a:txBody>
+                    <a:bodyPr/>
+                    <a:lstStyle/>
+                    <a:p>
+                      <a:pPr algn="ctr"/>
+                      <a:r>
+                        <a:rPr lang="en-US" dirty="0"/>
+                        <a:t>size</a:t>
+                      </a:r>
+                    </a:p>
+                  </a:txBody>
+                  <a:tcPr/>
+                </a:tc>
+                <a:tc>
+                  <a:txBody>
+                    <a:bodyPr/>
+                    <a:lstStyle/>
+                    <a:p>
+                      <a:pPr algn="ctr"/>
+                      <a:r>
+                        <a:rPr lang="en-US" dirty="0" err="1"/>
+                        <a:t>nameOfParent</a:t>
+                      </a:r>
+                      <a:endParaRPr lang="en-US" dirty="0"/>
+                    </a:p>
+                  </a:txBody>
+                  <a:tcPr/>
+                </a:tc>
+                <a:tc>
+                  <a:txBody>
+                    <a:bodyPr/>
+                    <a:lstStyle/>
+                    <a:p>
+                      <a:pPr algn="ctr"/>
+                      <a:r>
+                        <a:rPr lang="en-US" dirty="0" err="1"/>
+                        <a:t>isMarried</a:t>
+                      </a:r>
+                      <a:endParaRPr lang="en-US" dirty="0"/>
+                    </a:p>
+                  </a:txBody>
+                  <a:tcPr/>
+                </a:tc>
+                <a:extLst>
+                  <a:ext uri="{0D108BD9-81ED-4DB2-BD59-A6C34878D82A}">
+                    <a16:rowId xmlns:a16="http://schemas.microsoft.com/office/drawing/2014/main" val="1639178503"/>
+                  </a:ext>
+                </a:extLst>
+              </a:tr>
+              <a:tr h="657754">
+                <a:tc>
+                  <a:txBody>
+                    <a:bodyPr/>
+                    <a:lstStyle/>
+                    <a:p>
+                      <a:pPr algn="ctr"/>
+                      <a:endParaRPr lang="en-US"/>
+                    </a:p>
+                  </a:txBody>
+                  <a:tcPr/>
+                </a:tc>
+                <a:tc>
+                  <a:txBody>
+                    <a:bodyPr/>
+                    <a:lstStyle/>
+                    <a:p>
+                      <a:pPr algn="ctr"/>
+                      <a:r>
+                        <a:rPr lang="en-US" dirty="0"/>
+                        <a:t>sex</a:t>
+                      </a:r>
+                    </a:p>
+                  </a:txBody>
+                  <a:tcPr/>
+                </a:tc>
+                <a:tc>
+                  <a:txBody>
+                    <a:bodyPr/>
+                    <a:lstStyle/>
+                    <a:p>
+                      <a:pPr algn="ctr"/>
+                      <a:endParaRPr lang="en-US" dirty="0"/>
+                    </a:p>
+                  </a:txBody>
+                  <a:tcPr/>
+                </a:tc>
+                <a:tc>
+                  <a:txBody>
+                    <a:bodyPr/>
+                    <a:lstStyle/>
+                    <a:p>
+                      <a:pPr algn="ctr"/>
+                      <a:r>
+                        <a:rPr lang="en-US" dirty="0" err="1"/>
+                        <a:t>canPlay</a:t>
+                      </a:r>
+                      <a:endParaRPr lang="en-US" dirty="0"/>
+                    </a:p>
+                  </a:txBody>
+                  <a:tcPr/>
+                </a:tc>
+                <a:extLst>
+                  <a:ext uri="{0D108BD9-81ED-4DB2-BD59-A6C34878D82A}">
+                    <a16:rowId xmlns:a16="http://schemas.microsoft.com/office/drawing/2014/main" val="1514807434"/>
+                  </a:ext>
+                </a:extLst>
+              </a:tr>
+              <a:tr h="657754">
+                <a:tc>
+                  <a:txBody>
+                    <a:bodyPr/>
+                    <a:lstStyle/>
+                    <a:p>
+                      <a:pPr algn="ctr"/>
+                      <a:endParaRPr lang="en-US"/>
+                    </a:p>
+                  </a:txBody>
+                  <a:tcPr/>
+                </a:tc>
+                <a:tc>
+                  <a:txBody>
+                    <a:bodyPr/>
+                    <a:lstStyle/>
+                    <a:p>
+                      <a:pPr algn="ctr"/>
+                      <a:endParaRPr lang="en-US"/>
+                    </a:p>
+                  </a:txBody>
+                  <a:tcPr/>
+                </a:tc>
+                <a:tc>
+                  <a:txBody>
+                    <a:bodyPr/>
+                    <a:lstStyle/>
+                    <a:p>
+                      <a:pPr algn="ctr"/>
+                      <a:endParaRPr lang="en-US" dirty="0"/>
+                    </a:p>
+                  </a:txBody>
+                  <a:tcPr/>
+                </a:tc>
+                <a:tc>
+                  <a:txBody>
+                    <a:bodyPr/>
+                    <a:lstStyle/>
+                    <a:p>
+                      <a:pPr algn="ctr"/>
+                      <a:r>
+                        <a:rPr lang="en-US" dirty="0" err="1"/>
+                        <a:t>wasBeaten</a:t>
+                      </a:r>
+                      <a:endParaRPr lang="en-US" dirty="0"/>
+                    </a:p>
+                  </a:txBody>
+                  <a:tcPr/>
+                </a:tc>
+                <a:extLst>
+                  <a:ext uri="{0D108BD9-81ED-4DB2-BD59-A6C34878D82A}">
+                    <a16:rowId xmlns:a16="http://schemas.microsoft.com/office/drawing/2014/main" val="3074627081"/>
+                  </a:ext>
+                </a:extLst>
+              </a:tr>
+              <a:tr h="657754">
+                <a:tc>
+                  <a:txBody>
+                    <a:bodyPr/>
+                    <a:lstStyle/>
+                    <a:p>
+                      <a:pPr algn="ctr"/>
+                      <a:endParaRPr lang="en-US"/>
+                    </a:p>
+                  </a:txBody>
+                  <a:tcPr/>
+                </a:tc>
+                <a:tc>
+                  <a:txBody>
+                    <a:bodyPr/>
+                    <a:lstStyle/>
+                    <a:p>
+                      <a:pPr algn="ctr"/>
+                      <a:endParaRPr lang="en-US"/>
+                    </a:p>
+                  </a:txBody>
+                  <a:tcPr/>
+                </a:tc>
+                <a:tc>
+                  <a:txBody>
+                    <a:bodyPr/>
+                    <a:lstStyle/>
+                    <a:p>
+                      <a:pPr algn="ctr"/>
+                      <a:endParaRPr lang="en-US" dirty="0"/>
+                    </a:p>
+                  </a:txBody>
+                  <a:tcPr/>
+                </a:tc>
+                <a:tc>
+                  <a:txBody>
+                    <a:bodyPr/>
+                    <a:lstStyle/>
+                    <a:p>
+                      <a:pPr algn="ctr"/>
+                      <a:endParaRPr lang="en-US"/>
+                    </a:p>
+                  </a:txBody>
+                  <a:tcPr/>
+                </a:tc>
+                <a:extLst>
+                  <a:ext uri="{0D108BD9-81ED-4DB2-BD59-A6C34878D82A}">
+                    <a16:rowId xmlns:a16="http://schemas.microsoft.com/office/drawing/2014/main" val="398662196"/>
+                  </a:ext>
+                </a:extLst>
+              </a:tr>
+              <a:tr h="657754">
+                <a:tc>
+                  <a:txBody>
+                    <a:bodyPr/>
+                    <a:lstStyle/>
+                    <a:p>
+                      <a:pPr algn="ctr"/>
+                      <a:endParaRPr lang="en-US"/>
+                    </a:p>
+                  </a:txBody>
+                  <a:tcPr/>
+                </a:tc>
+                <a:tc>
+                  <a:txBody>
+                    <a:bodyPr/>
+                    <a:lstStyle/>
+                    <a:p>
+                      <a:pPr algn="ctr"/>
+                      <a:endParaRPr lang="en-US"/>
+                    </a:p>
+                  </a:txBody>
+                  <a:tcPr/>
+                </a:tc>
+                <a:tc>
+                  <a:txBody>
+                    <a:bodyPr/>
+                    <a:lstStyle/>
+                    <a:p>
+                      <a:pPr algn="ctr"/>
+                      <a:endParaRPr lang="en-US"/>
+                    </a:p>
+                  </a:txBody>
+                  <a:tcPr/>
+                </a:tc>
+                <a:tc>
+                  <a:txBody>
+                    <a:bodyPr/>
+                    <a:lstStyle/>
+                    <a:p>
+                      <a:pPr algn="ctr"/>
+                      <a:endParaRPr lang="en-US" dirty="0"/>
+                    </a:p>
+                  </a:txBody>
+                  <a:tcPr/>
+                </a:tc>
+                <a:extLst>
+                  <a:ext uri="{0D108BD9-81ED-4DB2-BD59-A6C34878D82A}">
+                    <a16:rowId xmlns:a16="http://schemas.microsoft.com/office/drawing/2014/main" val="2843125420"/>
+                  </a:ext>
+                </a:extLst>
+              </a:tr>
+              <a:tr h="657754">
+                <a:tc>
+                  <a:txBody>
+                    <a:bodyPr/>
+                    <a:lstStyle/>
+                    <a:p>
+                      <a:pPr algn="ctr"/>
+                      <a:endParaRPr lang="en-US"/>
+                    </a:p>
+                  </a:txBody>
+                  <a:tcPr/>
+                </a:tc>
+                <a:tc>
+                  <a:txBody>
+                    <a:bodyPr/>
+                    <a:lstStyle/>
+                    <a:p>
+                      <a:pPr algn="ctr"/>
+                      <a:endParaRPr lang="en-US"/>
+                    </a:p>
+                  </a:txBody>
+                  <a:tcPr/>
+                </a:tc>
+                <a:tc>
+                  <a:txBody>
+                    <a:bodyPr/>
+                    <a:lstStyle/>
+                    <a:p>
+                      <a:pPr algn="ctr"/>
+                      <a:endParaRPr lang="en-US"/>
+                    </a:p>
+                  </a:txBody>
+                  <a:tcPr/>
+                </a:tc>
+                <a:tc>
+                  <a:txBody>
+                    <a:bodyPr/>
+                    <a:lstStyle/>
+                    <a:p>
+                      <a:pPr algn="ctr"/>
+                      <a:endParaRPr lang="en-US" dirty="0"/>
+                    </a:p>
+                  </a:txBody>
+                  <a:tcPr/>
+                </a:tc>
+                <a:extLst>
+                  <a:ext uri="{0D108BD9-81ED-4DB2-BD59-A6C34878D82A}">
+                    <a16:rowId xmlns:a16="http://schemas.microsoft.com/office/drawing/2014/main" val="3614399639"/>
+                  </a:ext>
+                </a:extLst>
+              </a:tr>
+            </a:tbl>
+          </a:graphicData>
+        </a:graphic>
+      </p:graphicFrame>
+    </p:spTree>
+    <p:extLst>
+      <p:ext uri="{BB962C8B-B14F-4D97-AF65-F5344CB8AC3E}">
+        <p14:creationId xmlns:p14="http://schemas.microsoft.com/office/powerpoint/2010/main" val="2106460942"/>
+      </p:ext>
+    </p:extLst>
+  </p:cSld>
+  <p:clrMapOvr>
+    <a:masterClrMapping/>
+  </p:clrMapOvr>
+</p:sld>
+</file>
+
+<file path=ppt/slides/slide18.xml><?xml version="1.0" encoding="utf-8"?>
+<p:sld xmlns:a="http://schemas.openxmlformats.org/drawingml/2006/main" xmlns:r="http://schemas.openxmlformats.org/officeDocument/2006/relationships" xmlns:p="http://schemas.openxmlformats.org/presentationml/2006/main">
+  <p:cSld>
+    <p:spTree>
+      <p:nvGrpSpPr>
+        <p:cNvPr id="1" name=""/>
+        <p:cNvGrpSpPr/>
+        <p:nvPr/>
+      </p:nvGrpSpPr>
+      <p:grpSpPr>
+        <a:xfrm>
+          <a:off x="0" y="0"/>
+          <a:ext cx="0" cy="0"/>
+          <a:chOff x="0" y="0"/>
+          <a:chExt cx="0" cy="0"/>
+        </a:xfrm>
+      </p:grpSpPr>
+      <p:sp>
+        <p:nvSpPr>
+          <p:cNvPr id="2" name="TextBox 1">
+            <a:extLst>
+              <a:ext uri="{FF2B5EF4-FFF2-40B4-BE49-F238E27FC236}">
+                <a16:creationId xmlns:a16="http://schemas.microsoft.com/office/drawing/2014/main" id="{2B0896C9-51FD-A80A-BCCF-133A4CE6B856}"/>
+              </a:ext>
+            </a:extLst>
+          </p:cNvPr>
+          <p:cNvSpPr txBox="1"/>
+          <p:nvPr/>
+        </p:nvSpPr>
+        <p:spPr>
+          <a:xfrm>
+            <a:off x="4585648" y="3193576"/>
+            <a:ext cx="2546274" cy="369332"/>
+          </a:xfrm>
+          <a:prstGeom prst="rect">
+            <a:avLst/>
+          </a:prstGeom>
+          <a:noFill/>
+        </p:spPr>
+        <p:txBody>
+          <a:bodyPr wrap="none" rtlCol="0">
+            <a:spAutoFit/>
+          </a:bodyPr>
+          <a:lstStyle/>
+          <a:p>
+            <a:r>
+              <a:rPr lang="en-US" b="1" dirty="0"/>
+              <a:t>robertdoe@codeden.org</a:t>
+            </a:r>
+          </a:p>
+        </p:txBody>
+      </p:sp>
+    </p:spTree>
+    <p:extLst>
+      <p:ext uri="{BB962C8B-B14F-4D97-AF65-F5344CB8AC3E}">
+        <p14:creationId xmlns:p14="http://schemas.microsoft.com/office/powerpoint/2010/main" val="2921303046"/>
       </p:ext>
     </p:extLst>
   </p:cSld>
